--- a/ORM - O que estamos fazendo errado.pptx
+++ b/ORM - O que estamos fazendo errado.pptx
@@ -35,9 +35,9 @@
     <p:sldId id="451" r:id="rId23"/>
     <p:sldId id="438" r:id="rId24"/>
     <p:sldId id="427" r:id="rId25"/>
-    <p:sldId id="431" r:id="rId26"/>
-    <p:sldId id="430" r:id="rId27"/>
-    <p:sldId id="440" r:id="rId28"/>
+    <p:sldId id="430" r:id="rId26"/>
+    <p:sldId id="440" r:id="rId27"/>
+    <p:sldId id="431" r:id="rId28"/>
     <p:sldId id="432" r:id="rId29"/>
     <p:sldId id="452" r:id="rId30"/>
     <p:sldId id="408" r:id="rId31"/>
@@ -3693,11 +3693,7 @@
           <a:p>
             <a:r>
               <a:rPr lang="pt-BR" dirty="0" smtClean="0"/>
-              <a:t> 1. </a:t>
-            </a:r>
-            <a:r>
-              <a:rPr lang="pt-BR" dirty="0" smtClean="0"/>
-              <a:t>N+1</a:t>
+              <a:t> 1. N+1</a:t>
             </a:r>
             <a:endParaRPr lang="pt-BR" dirty="0"/>
           </a:p>
@@ -3728,13 +3724,8 @@
             </a:pPr>
             <a:r>
               <a:rPr lang="pt-BR" sz="2400" b="1" i="0" dirty="0" smtClean="0"/>
-              <a:t>Exemplo: Sem N+1, código gerando somente uma consulta na base de dados</a:t>
-            </a:r>
-            <a:r>
-              <a:rPr lang="pt-BR" sz="2400" b="1" i="0" dirty="0" smtClean="0"/>
-              <a:t>. Apenas 1 query!!!</a:t>
-            </a:r>
-            <a:endParaRPr lang="pt-BR" sz="2400" b="1" i="0" dirty="0" smtClean="0"/>
+              <a:t>Exemplo: Sem N+1, código gerando somente uma consulta na base de dados. Apenas 1 query!!!</a:t>
+            </a:r>
           </a:p>
           <a:p>
             <a:pPr marL="0" indent="0">
@@ -4638,13 +4629,8 @@
             </a:pPr>
             <a:r>
               <a:rPr lang="pt-BR" sz="2400" b="1" i="0" dirty="0" smtClean="0"/>
-              <a:t>Exemplo: Com </a:t>
-            </a:r>
-            <a:r>
-              <a:rPr lang="pt-BR" sz="2400" b="1" i="0" dirty="0" smtClean="0"/>
-              <a:t>projeção, gerando um SQL mais otimizado</a:t>
-            </a:r>
-            <a:endParaRPr lang="pt-BR" sz="2400" b="1" i="0" dirty="0" smtClean="0"/>
+              <a:t>Exemplo: Com projeção, gerando um SQL mais otimizado</a:t>
+            </a:r>
           </a:p>
           <a:p>
             <a:pPr marL="0" indent="0">
@@ -5930,11 +5916,7 @@
             </a:pPr>
             <a:r>
               <a:rPr lang="en-US" sz="2000" dirty="0" smtClean="0"/>
-              <a:t>     </a:t>
-            </a:r>
-            <a:r>
-              <a:rPr lang="en-US" sz="2000" dirty="0" smtClean="0"/>
-              <a:t> </a:t>
+              <a:t>      </a:t>
             </a:r>
             <a:r>
               <a:rPr lang="en-US" sz="2400" i="0" dirty="0" err="1" smtClean="0"/>
@@ -7672,8 +7654,9 @@
             </a:pPr>
             <a:r>
               <a:rPr lang="pt-BR" sz="2400" b="1" i="0" dirty="0" smtClean="0"/>
-              <a:t>Contexto do problema:</a:t>
-            </a:r>
+              <a:t>Contexto:</a:t>
+            </a:r>
+            <a:endParaRPr lang="pt-BR" sz="2400" b="1" i="0" dirty="0" smtClean="0"/>
           </a:p>
           <a:p>
             <a:r>
@@ -7760,6 +7743,23 @@
               <a:rPr lang="en-US" sz="2400" i="0" dirty="0" smtClean="0"/>
               <a:t>.</a:t>
             </a:r>
+          </a:p>
+          <a:p>
+            <a:endParaRPr lang="en-US" sz="2400" i="0" dirty="0"/>
+          </a:p>
+          <a:p>
+            <a:pPr marL="0" indent="0">
+              <a:buNone/>
+            </a:pPr>
+            <a:r>
+              <a:rPr lang="en-US" sz="2400" b="1" i="0" dirty="0" err="1" smtClean="0"/>
+              <a:t>Problema</a:t>
+            </a:r>
+            <a:r>
+              <a:rPr lang="en-US" sz="2400" b="1" i="0" dirty="0" smtClean="0"/>
+              <a:t>:</a:t>
+            </a:r>
+            <a:endParaRPr lang="en-US" sz="2400" b="1" i="0" dirty="0" smtClean="0"/>
           </a:p>
           <a:p>
             <a:r>
@@ -7988,298 +7988,6 @@
             </a:pPr>
             <a:r>
               <a:rPr lang="pt-BR" sz="2400" b="1" i="0" dirty="0" smtClean="0"/>
-              <a:t>Quando não enviar entidades para o contexto:</a:t>
-            </a:r>
-          </a:p>
-          <a:p>
-            <a:r>
-              <a:rPr lang="en-US" sz="2400" i="0" dirty="0" err="1" smtClean="0"/>
-              <a:t>Consultas</a:t>
-            </a:r>
-            <a:r>
-              <a:rPr lang="en-US" sz="2400" i="0" dirty="0" smtClean="0"/>
-              <a:t> que </a:t>
-            </a:r>
-            <a:r>
-              <a:rPr lang="en-US" sz="2400" i="0" dirty="0" err="1" smtClean="0"/>
-              <a:t>retornam</a:t>
-            </a:r>
-            <a:r>
-              <a:rPr lang="en-US" sz="2400" i="0" dirty="0" smtClean="0"/>
-              <a:t> dados para </a:t>
-            </a:r>
-            <a:r>
-              <a:rPr lang="en-US" sz="2400" i="0" dirty="0" err="1" smtClean="0"/>
-              <a:t>listas</a:t>
-            </a:r>
-            <a:r>
-              <a:rPr lang="en-US" sz="2400" i="0" dirty="0" smtClean="0"/>
-              <a:t>, grids, </a:t>
-            </a:r>
-            <a:r>
-              <a:rPr lang="en-US" sz="2400" i="0" dirty="0" err="1" smtClean="0"/>
-              <a:t>exportação</a:t>
-            </a:r>
-            <a:r>
-              <a:rPr lang="en-US" sz="2400" i="0" dirty="0" smtClean="0"/>
-              <a:t> </a:t>
-            </a:r>
-            <a:r>
-              <a:rPr lang="en-US" sz="2400" i="0" dirty="0" err="1" smtClean="0"/>
-              <a:t>em</a:t>
-            </a:r>
-            <a:r>
-              <a:rPr lang="en-US" sz="2400" i="0" dirty="0" smtClean="0"/>
-              <a:t> </a:t>
-            </a:r>
-            <a:r>
-              <a:rPr lang="en-US" sz="2400" i="0" dirty="0" err="1" smtClean="0"/>
-              <a:t>arquivos</a:t>
-            </a:r>
-            <a:r>
-              <a:rPr lang="en-US" sz="2400" i="0" dirty="0" smtClean="0"/>
-              <a:t> de </a:t>
-            </a:r>
-            <a:r>
-              <a:rPr lang="en-US" sz="2400" i="0" dirty="0" err="1" smtClean="0"/>
-              <a:t>texto</a:t>
-            </a:r>
-            <a:r>
-              <a:rPr lang="en-US" sz="2400" i="0" dirty="0" smtClean="0"/>
-              <a:t>, etc.</a:t>
-            </a:r>
-            <a:endParaRPr lang="en-US" sz="2400" dirty="0"/>
-          </a:p>
-          <a:p>
-            <a:r>
-              <a:rPr lang="en-US" sz="2400" dirty="0" err="1" smtClean="0"/>
-              <a:t>Consultas</a:t>
-            </a:r>
-            <a:r>
-              <a:rPr lang="en-US" sz="2400" dirty="0" smtClean="0"/>
-              <a:t> </a:t>
-            </a:r>
-            <a:r>
-              <a:rPr lang="en-US" sz="2400" dirty="0" err="1" smtClean="0"/>
-              <a:t>em</a:t>
-            </a:r>
-            <a:r>
-              <a:rPr lang="en-US" sz="2400" dirty="0" smtClean="0"/>
-              <a:t> </a:t>
-            </a:r>
-            <a:r>
-              <a:rPr lang="en-US" sz="2400" dirty="0" err="1" smtClean="0"/>
-              <a:t>geral</a:t>
-            </a:r>
-            <a:r>
-              <a:rPr lang="en-US" sz="2400" dirty="0" smtClean="0"/>
-              <a:t> que </a:t>
-            </a:r>
-            <a:r>
-              <a:rPr lang="en-US" sz="2400" dirty="0" err="1" smtClean="0"/>
-              <a:t>retornam</a:t>
-            </a:r>
-            <a:r>
-              <a:rPr lang="en-US" sz="2400" dirty="0" smtClean="0"/>
-              <a:t> </a:t>
-            </a:r>
-            <a:r>
-              <a:rPr lang="en-US" sz="2400" dirty="0" err="1" smtClean="0"/>
-              <a:t>objetos</a:t>
-            </a:r>
-            <a:r>
-              <a:rPr lang="en-US" sz="2400" dirty="0" smtClean="0"/>
-              <a:t> </a:t>
-            </a:r>
-            <a:r>
-              <a:rPr lang="en-US" sz="2400" dirty="0" err="1" smtClean="0"/>
-              <a:t>nos</a:t>
-            </a:r>
-            <a:r>
-              <a:rPr lang="en-US" sz="2400" dirty="0" smtClean="0"/>
-              <a:t> </a:t>
-            </a:r>
-            <a:r>
-              <a:rPr lang="en-US" sz="2400" dirty="0" err="1" smtClean="0"/>
-              <a:t>quais</a:t>
-            </a:r>
-            <a:r>
-              <a:rPr lang="en-US" sz="2400" dirty="0" smtClean="0"/>
-              <a:t> </a:t>
-            </a:r>
-            <a:r>
-              <a:rPr lang="en-US" sz="2400" dirty="0" err="1" smtClean="0"/>
-              <a:t>não</a:t>
-            </a:r>
-            <a:r>
-              <a:rPr lang="en-US" sz="2400" dirty="0" smtClean="0"/>
-              <a:t> </a:t>
-            </a:r>
-            <a:r>
-              <a:rPr lang="en-US" sz="2400" dirty="0" err="1" smtClean="0"/>
-              <a:t>serão</a:t>
-            </a:r>
-            <a:r>
-              <a:rPr lang="en-US" sz="2400" dirty="0" smtClean="0"/>
-              <a:t> </a:t>
-            </a:r>
-            <a:r>
-              <a:rPr lang="en-US" sz="2400" dirty="0" err="1" smtClean="0"/>
-              <a:t>modificados</a:t>
-            </a:r>
-            <a:r>
-              <a:rPr lang="en-US" sz="2400" dirty="0" smtClean="0"/>
-              <a:t> </a:t>
-            </a:r>
-            <a:r>
-              <a:rPr lang="en-US" sz="2400" dirty="0" err="1" smtClean="0"/>
-              <a:t>durante</a:t>
-            </a:r>
-            <a:r>
-              <a:rPr lang="en-US" sz="2400" dirty="0" smtClean="0"/>
-              <a:t> o </a:t>
-            </a:r>
-            <a:r>
-              <a:rPr lang="en-US" sz="2400" dirty="0" err="1" smtClean="0"/>
-              <a:t>clico</a:t>
-            </a:r>
-            <a:r>
-              <a:rPr lang="en-US" sz="2400" dirty="0" smtClean="0"/>
-              <a:t> de </a:t>
-            </a:r>
-            <a:r>
-              <a:rPr lang="en-US" sz="2400" dirty="0" err="1" smtClean="0"/>
-              <a:t>vida</a:t>
-            </a:r>
-            <a:r>
-              <a:rPr lang="en-US" sz="2400" dirty="0" smtClean="0"/>
-              <a:t> </a:t>
-            </a:r>
-            <a:r>
-              <a:rPr lang="en-US" sz="2400" dirty="0" err="1" smtClean="0"/>
-              <a:t>daquele</a:t>
-            </a:r>
-            <a:r>
-              <a:rPr lang="en-US" sz="2400" dirty="0" smtClean="0"/>
-              <a:t> </a:t>
-            </a:r>
-            <a:r>
-              <a:rPr lang="en-US" sz="2400" dirty="0" err="1" smtClean="0"/>
-              <a:t>contexto</a:t>
-            </a:r>
-            <a:r>
-              <a:rPr lang="en-US" sz="2400" dirty="0" smtClean="0"/>
-              <a:t>!</a:t>
-            </a:r>
-            <a:endParaRPr lang="en-US" sz="3200" dirty="0" smtClean="0"/>
-          </a:p>
-          <a:p>
-            <a:pPr marL="0" indent="0">
-              <a:buNone/>
-            </a:pPr>
-            <a:endParaRPr lang="en-US" sz="2400" dirty="0"/>
-          </a:p>
-          <a:p>
-            <a:endParaRPr lang="en-US" sz="2400" i="0" dirty="0" smtClean="0"/>
-          </a:p>
-        </p:txBody>
-      </p:sp>
-    </p:spTree>
-    <p:extLst>
-      <p:ext uri="{BB962C8B-B14F-4D97-AF65-F5344CB8AC3E}">
-        <p14:creationId xmlns:p14="http://schemas.microsoft.com/office/powerpoint/2010/main" val="3652969620"/>
-      </p:ext>
-    </p:extLst>
-  </p:cSld>
-  <p:clrMapOvr>
-    <a:masterClrMapping/>
-  </p:clrMapOvr>
-  <p:transition>
-    <p:fade/>
-  </p:transition>
-  <p:timing>
-    <p:tnLst>
-      <p:par>
-        <p:cTn id="1" dur="indefinite" restart="never" nodeType="tmRoot"/>
-      </p:par>
-    </p:tnLst>
-  </p:timing>
-</p:sld>
-</file>
-
-<file path=ppt/slides/slide26.xml><?xml version="1.0" encoding="utf-8"?>
-<p:sld xmlns:a="http://schemas.openxmlformats.org/drawingml/2006/main" xmlns:r="http://schemas.openxmlformats.org/officeDocument/2006/relationships" xmlns:p="http://schemas.openxmlformats.org/presentationml/2006/main">
-  <p:cSld>
-    <p:spTree>
-      <p:nvGrpSpPr>
-        <p:cNvPr id="1" name=""/>
-        <p:cNvGrpSpPr/>
-        <p:nvPr/>
-      </p:nvGrpSpPr>
-      <p:grpSpPr>
-        <a:xfrm>
-          <a:off x="0" y="0"/>
-          <a:ext cx="0" cy="0"/>
-          <a:chOff x="0" y="0"/>
-          <a:chExt cx="0" cy="0"/>
-        </a:xfrm>
-      </p:grpSpPr>
-      <p:sp>
-        <p:nvSpPr>
-          <p:cNvPr id="5" name="Título 4"/>
-          <p:cNvSpPr>
-            <a:spLocks noGrp="1"/>
-          </p:cNvSpPr>
-          <p:nvPr>
-            <p:ph type="title"/>
-          </p:nvPr>
-        </p:nvSpPr>
-        <p:spPr/>
-        <p:txBody>
-          <a:bodyPr/>
-          <a:lstStyle/>
-          <a:p>
-            <a:r>
-              <a:rPr lang="pt-BR" dirty="0" smtClean="0"/>
-              <a:t>4</a:t>
-            </a:r>
-            <a:r>
-              <a:rPr lang="pt-BR" dirty="0"/>
-              <a:t>. Objetos desnecessários no </a:t>
-            </a:r>
-            <a:r>
-              <a:rPr lang="pt-BR" dirty="0" smtClean="0"/>
-              <a:t>contexto</a:t>
-            </a:r>
-            <a:endParaRPr lang="pt-BR" dirty="0"/>
-          </a:p>
-        </p:txBody>
-      </p:sp>
-      <p:sp>
-        <p:nvSpPr>
-          <p:cNvPr id="6" name="Espaço Reservado para Conteúdo 8"/>
-          <p:cNvSpPr>
-            <a:spLocks noGrp="1"/>
-          </p:cNvSpPr>
-          <p:nvPr>
-            <p:ph idx="1"/>
-          </p:nvPr>
-        </p:nvSpPr>
-        <p:spPr>
-          <a:xfrm>
-            <a:off x="323528" y="1268760"/>
-            <a:ext cx="8280920" cy="5040560"/>
-          </a:xfrm>
-        </p:spPr>
-        <p:txBody>
-          <a:bodyPr/>
-          <a:lstStyle/>
-          <a:p>
-            <a:pPr marL="0" indent="0">
-              <a:buNone/>
-            </a:pPr>
-            <a:r>
-              <a:rPr lang="pt-BR" sz="2400" b="1" i="0" dirty="0" smtClean="0"/>
               <a:t>Exemplo: </a:t>
             </a:r>
           </a:p>
@@ -8356,7 +8064,7 @@
 </p:sld>
 </file>
 
-<file path=ppt/slides/slide27.xml><?xml version="1.0" encoding="utf-8"?>
+<file path=ppt/slides/slide26.xml><?xml version="1.0" encoding="utf-8"?>
 <p:sld xmlns:a="http://schemas.openxmlformats.org/drawingml/2006/main" xmlns:r="http://schemas.openxmlformats.org/officeDocument/2006/relationships" xmlns:p="http://schemas.openxmlformats.org/presentationml/2006/main">
   <p:cSld>
     <p:spTree>
@@ -8643,6 +8351,298 @@
 </p:sld>
 </file>
 
+<file path=ppt/slides/slide27.xml><?xml version="1.0" encoding="utf-8"?>
+<p:sld xmlns:a="http://schemas.openxmlformats.org/drawingml/2006/main" xmlns:r="http://schemas.openxmlformats.org/officeDocument/2006/relationships" xmlns:p="http://schemas.openxmlformats.org/presentationml/2006/main">
+  <p:cSld>
+    <p:spTree>
+      <p:nvGrpSpPr>
+        <p:cNvPr id="1" name=""/>
+        <p:cNvGrpSpPr/>
+        <p:nvPr/>
+      </p:nvGrpSpPr>
+      <p:grpSpPr>
+        <a:xfrm>
+          <a:off x="0" y="0"/>
+          <a:ext cx="0" cy="0"/>
+          <a:chOff x="0" y="0"/>
+          <a:chExt cx="0" cy="0"/>
+        </a:xfrm>
+      </p:grpSpPr>
+      <p:sp>
+        <p:nvSpPr>
+          <p:cNvPr id="5" name="Título 4"/>
+          <p:cNvSpPr>
+            <a:spLocks noGrp="1"/>
+          </p:cNvSpPr>
+          <p:nvPr>
+            <p:ph type="title"/>
+          </p:nvPr>
+        </p:nvSpPr>
+        <p:spPr/>
+        <p:txBody>
+          <a:bodyPr/>
+          <a:lstStyle/>
+          <a:p>
+            <a:r>
+              <a:rPr lang="pt-BR" dirty="0" smtClean="0"/>
+              <a:t>4</a:t>
+            </a:r>
+            <a:r>
+              <a:rPr lang="pt-BR" dirty="0"/>
+              <a:t>. Objetos desnecessários no </a:t>
+            </a:r>
+            <a:r>
+              <a:rPr lang="pt-BR" dirty="0" smtClean="0"/>
+              <a:t>contexto</a:t>
+            </a:r>
+            <a:endParaRPr lang="pt-BR" dirty="0"/>
+          </a:p>
+        </p:txBody>
+      </p:sp>
+      <p:sp>
+        <p:nvSpPr>
+          <p:cNvPr id="6" name="Espaço Reservado para Conteúdo 8"/>
+          <p:cNvSpPr>
+            <a:spLocks noGrp="1"/>
+          </p:cNvSpPr>
+          <p:nvPr>
+            <p:ph idx="1"/>
+          </p:nvPr>
+        </p:nvSpPr>
+        <p:spPr>
+          <a:xfrm>
+            <a:off x="323528" y="1268760"/>
+            <a:ext cx="8280920" cy="5040560"/>
+          </a:xfrm>
+        </p:spPr>
+        <p:txBody>
+          <a:bodyPr/>
+          <a:lstStyle/>
+          <a:p>
+            <a:pPr marL="0" indent="0">
+              <a:buNone/>
+            </a:pPr>
+            <a:r>
+              <a:rPr lang="pt-BR" sz="2400" b="1" i="0" dirty="0" smtClean="0"/>
+              <a:t>Quando não enviar entidades para o contexto:</a:t>
+            </a:r>
+          </a:p>
+          <a:p>
+            <a:r>
+              <a:rPr lang="en-US" sz="2400" i="0" dirty="0" err="1" smtClean="0"/>
+              <a:t>Consultas</a:t>
+            </a:r>
+            <a:r>
+              <a:rPr lang="en-US" sz="2400" i="0" dirty="0" smtClean="0"/>
+              <a:t> que </a:t>
+            </a:r>
+            <a:r>
+              <a:rPr lang="en-US" sz="2400" i="0" dirty="0" err="1" smtClean="0"/>
+              <a:t>retornam</a:t>
+            </a:r>
+            <a:r>
+              <a:rPr lang="en-US" sz="2400" i="0" dirty="0" smtClean="0"/>
+              <a:t> dados para </a:t>
+            </a:r>
+            <a:r>
+              <a:rPr lang="en-US" sz="2400" i="0" dirty="0" err="1" smtClean="0"/>
+              <a:t>listas</a:t>
+            </a:r>
+            <a:r>
+              <a:rPr lang="en-US" sz="2400" i="0" dirty="0" smtClean="0"/>
+              <a:t>, grids, </a:t>
+            </a:r>
+            <a:r>
+              <a:rPr lang="en-US" sz="2400" i="0" dirty="0" err="1" smtClean="0"/>
+              <a:t>exportação</a:t>
+            </a:r>
+            <a:r>
+              <a:rPr lang="en-US" sz="2400" i="0" dirty="0" smtClean="0"/>
+              <a:t> </a:t>
+            </a:r>
+            <a:r>
+              <a:rPr lang="en-US" sz="2400" i="0" dirty="0" err="1" smtClean="0"/>
+              <a:t>em</a:t>
+            </a:r>
+            <a:r>
+              <a:rPr lang="en-US" sz="2400" i="0" dirty="0" smtClean="0"/>
+              <a:t> </a:t>
+            </a:r>
+            <a:r>
+              <a:rPr lang="en-US" sz="2400" i="0" dirty="0" err="1" smtClean="0"/>
+              <a:t>arquivos</a:t>
+            </a:r>
+            <a:r>
+              <a:rPr lang="en-US" sz="2400" i="0" dirty="0" smtClean="0"/>
+              <a:t> de </a:t>
+            </a:r>
+            <a:r>
+              <a:rPr lang="en-US" sz="2400" i="0" dirty="0" err="1" smtClean="0"/>
+              <a:t>texto</a:t>
+            </a:r>
+            <a:r>
+              <a:rPr lang="en-US" sz="2400" i="0" dirty="0" smtClean="0"/>
+              <a:t>, etc.</a:t>
+            </a:r>
+            <a:endParaRPr lang="en-US" sz="2400" dirty="0"/>
+          </a:p>
+          <a:p>
+            <a:r>
+              <a:rPr lang="en-US" sz="2400" dirty="0" err="1" smtClean="0"/>
+              <a:t>Consultas</a:t>
+            </a:r>
+            <a:r>
+              <a:rPr lang="en-US" sz="2400" dirty="0" smtClean="0"/>
+              <a:t> </a:t>
+            </a:r>
+            <a:r>
+              <a:rPr lang="en-US" sz="2400" dirty="0" err="1" smtClean="0"/>
+              <a:t>em</a:t>
+            </a:r>
+            <a:r>
+              <a:rPr lang="en-US" sz="2400" dirty="0" smtClean="0"/>
+              <a:t> </a:t>
+            </a:r>
+            <a:r>
+              <a:rPr lang="en-US" sz="2400" dirty="0" err="1" smtClean="0"/>
+              <a:t>geral</a:t>
+            </a:r>
+            <a:r>
+              <a:rPr lang="en-US" sz="2400" dirty="0" smtClean="0"/>
+              <a:t> que </a:t>
+            </a:r>
+            <a:r>
+              <a:rPr lang="en-US" sz="2400" dirty="0" err="1" smtClean="0"/>
+              <a:t>retornam</a:t>
+            </a:r>
+            <a:r>
+              <a:rPr lang="en-US" sz="2400" dirty="0" smtClean="0"/>
+              <a:t> </a:t>
+            </a:r>
+            <a:r>
+              <a:rPr lang="en-US" sz="2400" dirty="0" err="1" smtClean="0"/>
+              <a:t>objetos</a:t>
+            </a:r>
+            <a:r>
+              <a:rPr lang="en-US" sz="2400" dirty="0" smtClean="0"/>
+              <a:t> </a:t>
+            </a:r>
+            <a:r>
+              <a:rPr lang="en-US" sz="2400" dirty="0" err="1" smtClean="0"/>
+              <a:t>nos</a:t>
+            </a:r>
+            <a:r>
+              <a:rPr lang="en-US" sz="2400" dirty="0" smtClean="0"/>
+              <a:t> </a:t>
+            </a:r>
+            <a:r>
+              <a:rPr lang="en-US" sz="2400" dirty="0" err="1" smtClean="0"/>
+              <a:t>quais</a:t>
+            </a:r>
+            <a:r>
+              <a:rPr lang="en-US" sz="2400" dirty="0" smtClean="0"/>
+              <a:t> </a:t>
+            </a:r>
+            <a:r>
+              <a:rPr lang="en-US" sz="2400" dirty="0" err="1" smtClean="0"/>
+              <a:t>não</a:t>
+            </a:r>
+            <a:r>
+              <a:rPr lang="en-US" sz="2400" dirty="0" smtClean="0"/>
+              <a:t> </a:t>
+            </a:r>
+            <a:r>
+              <a:rPr lang="en-US" sz="2400" dirty="0" err="1" smtClean="0"/>
+              <a:t>serão</a:t>
+            </a:r>
+            <a:r>
+              <a:rPr lang="en-US" sz="2400" dirty="0" smtClean="0"/>
+              <a:t> </a:t>
+            </a:r>
+            <a:r>
+              <a:rPr lang="en-US" sz="2400" dirty="0" err="1" smtClean="0"/>
+              <a:t>modificados</a:t>
+            </a:r>
+            <a:r>
+              <a:rPr lang="en-US" sz="2400" dirty="0" smtClean="0"/>
+              <a:t> </a:t>
+            </a:r>
+            <a:r>
+              <a:rPr lang="en-US" sz="2400" dirty="0" err="1" smtClean="0"/>
+              <a:t>durante</a:t>
+            </a:r>
+            <a:r>
+              <a:rPr lang="en-US" sz="2400" dirty="0" smtClean="0"/>
+              <a:t> o </a:t>
+            </a:r>
+            <a:r>
+              <a:rPr lang="en-US" sz="2400" dirty="0" err="1" smtClean="0"/>
+              <a:t>clico</a:t>
+            </a:r>
+            <a:r>
+              <a:rPr lang="en-US" sz="2400" dirty="0" smtClean="0"/>
+              <a:t> de </a:t>
+            </a:r>
+            <a:r>
+              <a:rPr lang="en-US" sz="2400" dirty="0" err="1" smtClean="0"/>
+              <a:t>vida</a:t>
+            </a:r>
+            <a:r>
+              <a:rPr lang="en-US" sz="2400" dirty="0" smtClean="0"/>
+              <a:t> </a:t>
+            </a:r>
+            <a:r>
+              <a:rPr lang="en-US" sz="2400" dirty="0" err="1" smtClean="0"/>
+              <a:t>daquele</a:t>
+            </a:r>
+            <a:r>
+              <a:rPr lang="en-US" sz="2400" dirty="0" smtClean="0"/>
+              <a:t> </a:t>
+            </a:r>
+            <a:r>
+              <a:rPr lang="en-US" sz="2400" dirty="0" err="1" smtClean="0"/>
+              <a:t>contexto</a:t>
+            </a:r>
+            <a:r>
+              <a:rPr lang="en-US" sz="2400" dirty="0" smtClean="0"/>
+              <a:t>!</a:t>
+            </a:r>
+            <a:endParaRPr lang="en-US" sz="3200" dirty="0" smtClean="0"/>
+          </a:p>
+          <a:p>
+            <a:pPr marL="0" indent="0">
+              <a:buNone/>
+            </a:pPr>
+            <a:endParaRPr lang="en-US" sz="2400" dirty="0"/>
+          </a:p>
+          <a:p>
+            <a:endParaRPr lang="en-US" sz="2400" i="0" dirty="0" smtClean="0"/>
+          </a:p>
+        </p:txBody>
+      </p:sp>
+    </p:spTree>
+    <p:extLst>
+      <p:ext uri="{BB962C8B-B14F-4D97-AF65-F5344CB8AC3E}">
+        <p14:creationId xmlns:p14="http://schemas.microsoft.com/office/powerpoint/2010/main" val="3652969620"/>
+      </p:ext>
+    </p:extLst>
+  </p:cSld>
+  <p:clrMapOvr>
+    <a:masterClrMapping/>
+  </p:clrMapOvr>
+  <p:transition>
+    <p:fade/>
+  </p:transition>
+  <p:timing>
+    <p:tnLst>
+      <p:par>
+        <p:cTn id="1" dur="indefinite" restart="never" nodeType="tmRoot"/>
+      </p:par>
+    </p:tnLst>
+  </p:timing>
+</p:sld>
+</file>
+
 <file path=ppt/slides/slide28.xml><?xml version="1.0" encoding="utf-8"?>
 <p:sld xmlns:a="http://schemas.openxmlformats.org/drawingml/2006/main" xmlns:r="http://schemas.openxmlformats.org/officeDocument/2006/relationships" xmlns:p="http://schemas.openxmlformats.org/presentationml/2006/main">
   <p:cSld>
@@ -9246,11 +9246,7 @@
             </a:pPr>
             <a:r>
               <a:rPr lang="pt-BR" sz="1800" i="0" dirty="0" smtClean="0"/>
-              <a:t>Evitando </a:t>
-            </a:r>
-            <a:r>
-              <a:rPr lang="pt-BR" sz="1800" i="0" dirty="0" smtClean="0"/>
-              <a:t>Problemas</a:t>
+              <a:t>Evitando Problemas</a:t>
             </a:r>
           </a:p>
           <a:p>
@@ -9396,11 +9392,7 @@
           <a:p>
             <a:r>
               <a:rPr lang="pt-BR" sz="2400" i="0" dirty="0" smtClean="0"/>
-              <a:t>Usar </a:t>
-            </a:r>
-            <a:r>
-              <a:rPr lang="pt-BR" sz="2400" i="0" dirty="0" smtClean="0"/>
-              <a:t>monitoramento de banco de dados </a:t>
+              <a:t>Usar monitoramento de banco de dados </a:t>
             </a:r>
             <a:r>
               <a:rPr lang="pt-BR" sz="2400" i="0" dirty="0" smtClean="0">
@@ -9412,11 +9404,7 @@
             </a:r>
             <a:r>
               <a:rPr lang="pt-BR" sz="2400" i="0" dirty="0" smtClean="0"/>
-              <a:t>(</a:t>
-            </a:r>
-            <a:r>
-              <a:rPr lang="pt-BR" sz="2400" i="0" dirty="0" smtClean="0"/>
-              <a:t>SQL Profiler/</a:t>
+              <a:t>(SQL Profiler/</a:t>
             </a:r>
             <a:r>
               <a:rPr lang="pt-BR" sz="2400" i="0" dirty="0" err="1" smtClean="0"/>
@@ -9456,7 +9444,6 @@
               <a:rPr lang="pt-BR" sz="2400" i="0" dirty="0" smtClean="0"/>
               <a:t> para que o EF gere instruções SQL mais próximas do desejado</a:t>
             </a:r>
-            <a:endParaRPr lang="pt-BR" sz="2400" i="0" dirty="0" smtClean="0"/>
           </a:p>
           <a:p>
             <a:r>
@@ -10456,33 +10443,19 @@
           <a:p>
             <a:r>
               <a:rPr lang="pt-BR" sz="2200" i="0" dirty="0" smtClean="0"/>
-              <a:t>Agilidade no desenvolvimento</a:t>
-            </a:r>
+              <a:t>Agilidade no desenvolvimento.</a:t>
+            </a:r>
+          </a:p>
+          <a:p>
             <a:r>
               <a:rPr lang="pt-BR" sz="2200" i="0" dirty="0" smtClean="0"/>
-              <a:t>.</a:t>
-            </a:r>
-            <a:endParaRPr lang="pt-BR" sz="2200" i="0" dirty="0" smtClean="0"/>
+              <a:t>Diminui drasticamente (em alguns casos completamente) a escrita de instruções SQL.</a:t>
+            </a:r>
           </a:p>
           <a:p>
             <a:r>
               <a:rPr lang="pt-BR" sz="2200" i="0" dirty="0" smtClean="0"/>
-              <a:t>Diminui drasticamente (em alguns casos completamente) a escrita de instruções SQL</a:t>
-            </a:r>
-            <a:r>
-              <a:rPr lang="pt-BR" sz="2200" i="0" dirty="0" smtClean="0"/>
-              <a:t>.</a:t>
-            </a:r>
-            <a:endParaRPr lang="pt-BR" sz="2200" i="0" dirty="0" smtClean="0"/>
-          </a:p>
-          <a:p>
-            <a:r>
-              <a:rPr lang="pt-BR" sz="2200" i="0" dirty="0" smtClean="0"/>
-              <a:t>Alterações na base de dados com menos impacto para aplicação, uma vez que o mapeamento é feito em um único </a:t>
-            </a:r>
-            <a:r>
-              <a:rPr lang="pt-BR" sz="2200" i="0" dirty="0" smtClean="0"/>
-              <a:t>ponto (em caso de EF </a:t>
+              <a:t>Alterações na base de dados com menos impacto para aplicação, uma vez que o mapeamento é feito em um único ponto (em caso de EF </a:t>
             </a:r>
             <a:r>
               <a:rPr lang="pt-BR" sz="2200" i="0" dirty="0" err="1" smtClean="0"/>
@@ -10492,7 +10465,6 @@
               <a:rPr lang="pt-BR" sz="2200" i="0" dirty="0" smtClean="0"/>
               <a:t>).</a:t>
             </a:r>
-            <a:endParaRPr lang="pt-BR" sz="2200" i="0" dirty="0" smtClean="0"/>
           </a:p>
           <a:p>
             <a:endParaRPr lang="pt-BR" sz="2200" i="0" dirty="0" smtClean="0"/>
@@ -10701,13 +10673,8 @@
             </a:r>
             <a:r>
               <a:rPr lang="pt-BR" sz="2200" i="0" dirty="0" smtClean="0"/>
-              <a:t> sem comportamentos, o que pode ser um problema em projetos orientados a domínio</a:t>
-            </a:r>
-            <a:r>
-              <a:rPr lang="pt-BR" sz="2200" i="0" dirty="0" smtClean="0"/>
-              <a:t>.</a:t>
-            </a:r>
-            <a:endParaRPr lang="pt-BR" sz="2200" i="0" dirty="0" smtClean="0"/>
+              <a:t> sem comportamentos, o que pode ser um problema em projetos orientados a domínio.</a:t>
+            </a:r>
           </a:p>
           <a:p>
             <a:endParaRPr lang="pt-BR" sz="2400" dirty="0" smtClean="0"/>
@@ -11158,11 +11125,7 @@
             </a:r>
             <a:r>
               <a:rPr lang="pt-BR" sz="2400" i="0" dirty="0" smtClean="0"/>
-              <a:t> habilitado</a:t>
-            </a:r>
-            <a:r>
-              <a:rPr lang="pt-BR" sz="2400" i="0" dirty="0" smtClean="0"/>
-              <a:t>.</a:t>
+              <a:t> habilitado.</a:t>
             </a:r>
           </a:p>
           <a:p>
